--- a/2022年度/GitHub勉強会/第1回勉強会.pptx
+++ b/2022年度/GitHub勉強会/第1回勉強会.pptx
@@ -141,13 +141,72 @@
 <file path=ppt/revisionInfo.xml><?xml version="1.0" encoding="utf-8"?>
 <p1510:revInfo xmlns:a="http://schemas.openxmlformats.org/drawingml/2006/main" xmlns:r="http://schemas.openxmlformats.org/officeDocument/2006/relationships" xmlns:p1510="http://schemas.microsoft.com/office/powerpoint/2015/10/main">
   <p1510:revLst>
-    <p1510:client id="{7191B413-D925-443A-A0C9-20DFD8053210}" v="147" dt="2022-06-13T16:55:11.595"/>
+    <p1510:client id="{AECA7F86-88C9-4AD9-8969-35294D326D34}" v="15" dt="2023-01-10T14:24:16.222"/>
   </p1510:revLst>
 </p1510:revInfo>
 </file>
 
 <file path=ppt/changesInfos/changesInfo1.xml><?xml version="1.0" encoding="utf-8"?>
 <pc:chgInfo xmlns:a="http://schemas.openxmlformats.org/drawingml/2006/main" xmlns:r="http://schemas.openxmlformats.org/officeDocument/2006/relationships" xmlns:ac="http://schemas.microsoft.com/office/drawing/2013/main/command" xmlns:pc="http://schemas.microsoft.com/office/powerpoint/2013/main/command">
+  <pc:docChgLst>
+    <pc:chgData name="西村 翼" userId="5a6fcaf58e44607b" providerId="LiveId" clId="{AECA7F86-88C9-4AD9-8969-35294D326D34}"/>
+    <pc:docChg chg="modMainMaster">
+      <pc:chgData name="西村 翼" userId="5a6fcaf58e44607b" providerId="LiveId" clId="{AECA7F86-88C9-4AD9-8969-35294D326D34}" dt="2023-01-10T14:24:16.222" v="15" actId="179"/>
+      <pc:docMkLst>
+        <pc:docMk/>
+      </pc:docMkLst>
+      <pc:sldMasterChg chg="modSldLayout">
+        <pc:chgData name="西村 翼" userId="5a6fcaf58e44607b" providerId="LiveId" clId="{AECA7F86-88C9-4AD9-8969-35294D326D34}" dt="2023-01-10T14:24:16.222" v="15" actId="179"/>
+        <pc:sldMasterMkLst>
+          <pc:docMk/>
+          <pc:sldMasterMk cId="2086738938" sldId="2147483648"/>
+        </pc:sldMasterMkLst>
+        <pc:sldLayoutChg chg="modSp">
+          <pc:chgData name="西村 翼" userId="5a6fcaf58e44607b" providerId="LiveId" clId="{AECA7F86-88C9-4AD9-8969-35294D326D34}" dt="2023-01-10T14:23:36.989" v="5" actId="179"/>
+          <pc:sldLayoutMkLst>
+            <pc:docMk/>
+            <pc:sldMasterMk cId="2086738938" sldId="2147483648"/>
+            <pc:sldLayoutMk cId="3122641388" sldId="2147483650"/>
+          </pc:sldLayoutMkLst>
+          <pc:spChg chg="mod">
+            <ac:chgData name="西村 翼" userId="5a6fcaf58e44607b" providerId="LiveId" clId="{AECA7F86-88C9-4AD9-8969-35294D326D34}" dt="2023-01-10T14:23:36.989" v="5" actId="179"/>
+            <ac:spMkLst>
+              <pc:docMk/>
+              <pc:sldMasterMk cId="2086738938" sldId="2147483648"/>
+              <pc:sldLayoutMk cId="3122641388" sldId="2147483650"/>
+              <ac:spMk id="3" creationId="{55387B83-8B2E-46B8-B5E0-1F12F05741B1}"/>
+            </ac:spMkLst>
+          </pc:spChg>
+        </pc:sldLayoutChg>
+        <pc:sldLayoutChg chg="modSp">
+          <pc:chgData name="西村 翼" userId="5a6fcaf58e44607b" providerId="LiveId" clId="{AECA7F86-88C9-4AD9-8969-35294D326D34}" dt="2023-01-10T14:24:16.222" v="15" actId="179"/>
+          <pc:sldLayoutMkLst>
+            <pc:docMk/>
+            <pc:sldMasterMk cId="2086738938" sldId="2147483648"/>
+            <pc:sldLayoutMk cId="689048292" sldId="2147483654"/>
+          </pc:sldLayoutMkLst>
+          <pc:spChg chg="mod">
+            <ac:chgData name="西村 翼" userId="5a6fcaf58e44607b" providerId="LiveId" clId="{AECA7F86-88C9-4AD9-8969-35294D326D34}" dt="2023-01-10T14:24:00.382" v="10" actId="179"/>
+            <ac:spMkLst>
+              <pc:docMk/>
+              <pc:sldMasterMk cId="2086738938" sldId="2147483648"/>
+              <pc:sldLayoutMk cId="689048292" sldId="2147483654"/>
+              <ac:spMk id="11" creationId="{AA412C64-37EA-4955-980B-CD9A3098919A}"/>
+            </ac:spMkLst>
+          </pc:spChg>
+          <pc:spChg chg="mod">
+            <ac:chgData name="西村 翼" userId="5a6fcaf58e44607b" providerId="LiveId" clId="{AECA7F86-88C9-4AD9-8969-35294D326D34}" dt="2023-01-10T14:24:16.222" v="15" actId="179"/>
+            <ac:spMkLst>
+              <pc:docMk/>
+              <pc:sldMasterMk cId="2086738938" sldId="2147483648"/>
+              <pc:sldLayoutMk cId="689048292" sldId="2147483654"/>
+              <ac:spMk id="12" creationId="{81E04CF5-8900-46F7-A4D3-396B8F91CA00}"/>
+            </ac:spMkLst>
+          </pc:spChg>
+        </pc:sldLayoutChg>
+      </pc:sldMasterChg>
+    </pc:docChg>
+  </pc:docChgLst>
   <pc:docChgLst>
     <pc:chgData name="西村 翼" userId="5a6fcaf58e44607b" providerId="LiveId" clId="{7191B413-D925-443A-A0C9-20DFD8053210}"/>
     <pc:docChg chg="undo redo custSel addSld modSld sldOrd">
@@ -3177,6 +3236,96 @@
           </ac:cxnSpMkLst>
         </pc:cxnChg>
       </pc:sldChg>
+    </pc:docChg>
+  </pc:docChgLst>
+  <pc:docChgLst>
+    <pc:chgData name="西村 翼" userId="5a6fcaf58e44607b" providerId="LiveId" clId="{E5796216-E09E-4753-A5CE-2439B3B5C01B}"/>
+    <pc:docChg chg="modMainMaster">
+      <pc:chgData name="西村 翼" userId="5a6fcaf58e44607b" providerId="LiveId" clId="{E5796216-E09E-4753-A5CE-2439B3B5C01B}" dt="2022-12-30T01:10:04.904" v="3" actId="2711"/>
+      <pc:docMkLst>
+        <pc:docMk/>
+      </pc:docMkLst>
+      <pc:sldMasterChg chg="modSp modSldLayout">
+        <pc:chgData name="西村 翼" userId="5a6fcaf58e44607b" providerId="LiveId" clId="{E5796216-E09E-4753-A5CE-2439B3B5C01B}" dt="2022-12-30T01:10:04.904" v="3" actId="2711"/>
+        <pc:sldMasterMkLst>
+          <pc:docMk/>
+          <pc:sldMasterMk cId="2086738938" sldId="2147483648"/>
+        </pc:sldMasterMkLst>
+        <pc:spChg chg="mod">
+          <ac:chgData name="西村 翼" userId="5a6fcaf58e44607b" providerId="LiveId" clId="{E5796216-E09E-4753-A5CE-2439B3B5C01B}" dt="2022-12-30T01:10:04.904" v="3" actId="2711"/>
+          <ac:spMkLst>
+            <pc:docMk/>
+            <pc:sldMasterMk cId="2086738938" sldId="2147483648"/>
+            <ac:spMk id="2" creationId="{C2DD5331-4B35-45F5-B3DF-8C4A4891476B}"/>
+          </ac:spMkLst>
+        </pc:spChg>
+        <pc:spChg chg="mod">
+          <ac:chgData name="西村 翼" userId="5a6fcaf58e44607b" providerId="LiveId" clId="{E5796216-E09E-4753-A5CE-2439B3B5C01B}" dt="2022-12-30T01:10:04.904" v="3" actId="2711"/>
+          <ac:spMkLst>
+            <pc:docMk/>
+            <pc:sldMasterMk cId="2086738938" sldId="2147483648"/>
+            <ac:spMk id="3" creationId="{C3910A09-0E77-4D44-9D36-2B3EE07E4FF5}"/>
+          </ac:spMkLst>
+        </pc:spChg>
+        <pc:spChg chg="mod">
+          <ac:chgData name="西村 翼" userId="5a6fcaf58e44607b" providerId="LiveId" clId="{E5796216-E09E-4753-A5CE-2439B3B5C01B}" dt="2022-12-30T01:10:04.904" v="3" actId="2711"/>
+          <ac:spMkLst>
+            <pc:docMk/>
+            <pc:sldMasterMk cId="2086738938" sldId="2147483648"/>
+            <ac:spMk id="4" creationId="{BB86D214-18CE-4C00-ACD5-195B7C43E3A6}"/>
+          </ac:spMkLst>
+        </pc:spChg>
+        <pc:spChg chg="mod">
+          <ac:chgData name="西村 翼" userId="5a6fcaf58e44607b" providerId="LiveId" clId="{E5796216-E09E-4753-A5CE-2439B3B5C01B}" dt="2022-12-30T01:10:04.904" v="3" actId="2711"/>
+          <ac:spMkLst>
+            <pc:docMk/>
+            <pc:sldMasterMk cId="2086738938" sldId="2147483648"/>
+            <ac:spMk id="5" creationId="{FAE414AC-6A13-49FB-A2C6-98667A156190}"/>
+          </ac:spMkLst>
+        </pc:spChg>
+        <pc:spChg chg="mod">
+          <ac:chgData name="西村 翼" userId="5a6fcaf58e44607b" providerId="LiveId" clId="{E5796216-E09E-4753-A5CE-2439B3B5C01B}" dt="2022-12-30T01:10:04.904" v="3" actId="2711"/>
+          <ac:spMkLst>
+            <pc:docMk/>
+            <pc:sldMasterMk cId="2086738938" sldId="2147483648"/>
+            <ac:spMk id="6" creationId="{8728111A-3868-4FDD-91BE-D94E00353955}"/>
+          </ac:spMkLst>
+        </pc:spChg>
+        <pc:sldLayoutChg chg="modSp mod">
+          <pc:chgData name="西村 翼" userId="5a6fcaf58e44607b" providerId="LiveId" clId="{E5796216-E09E-4753-A5CE-2439B3B5C01B}" dt="2022-12-30T01:09:24.657" v="0" actId="1582"/>
+          <pc:sldLayoutMkLst>
+            <pc:docMk/>
+            <pc:sldMasterMk cId="2086738938" sldId="2147483648"/>
+            <pc:sldLayoutMk cId="3122641388" sldId="2147483650"/>
+          </pc:sldLayoutMkLst>
+          <pc:cxnChg chg="mod">
+            <ac:chgData name="西村 翼" userId="5a6fcaf58e44607b" providerId="LiveId" clId="{E5796216-E09E-4753-A5CE-2439B3B5C01B}" dt="2022-12-30T01:09:24.657" v="0" actId="1582"/>
+            <ac:cxnSpMkLst>
+              <pc:docMk/>
+              <pc:sldMasterMk cId="2086738938" sldId="2147483648"/>
+              <pc:sldLayoutMk cId="3122641388" sldId="2147483650"/>
+              <ac:cxnSpMk id="8" creationId="{CD077C19-F45D-4544-84F1-072A7EFA0DAC}"/>
+            </ac:cxnSpMkLst>
+          </pc:cxnChg>
+        </pc:sldLayoutChg>
+        <pc:sldLayoutChg chg="modSp mod">
+          <pc:chgData name="西村 翼" userId="5a6fcaf58e44607b" providerId="LiveId" clId="{E5796216-E09E-4753-A5CE-2439B3B5C01B}" dt="2022-12-30T01:09:33.533" v="1" actId="1582"/>
+          <pc:sldLayoutMkLst>
+            <pc:docMk/>
+            <pc:sldMasterMk cId="2086738938" sldId="2147483648"/>
+            <pc:sldLayoutMk cId="689048292" sldId="2147483654"/>
+          </pc:sldLayoutMkLst>
+          <pc:cxnChg chg="mod">
+            <ac:chgData name="西村 翼" userId="5a6fcaf58e44607b" providerId="LiveId" clId="{E5796216-E09E-4753-A5CE-2439B3B5C01B}" dt="2022-12-30T01:09:33.533" v="1" actId="1582"/>
+            <ac:cxnSpMkLst>
+              <pc:docMk/>
+              <pc:sldMasterMk cId="2086738938" sldId="2147483648"/>
+              <pc:sldLayoutMk cId="689048292" sldId="2147483654"/>
+              <ac:cxnSpMk id="9" creationId="{B9571F2A-21DC-4DE0-9A28-4DAA8FFE78E7}"/>
+            </ac:cxnSpMkLst>
+          </pc:cxnChg>
+        </pc:sldLayoutChg>
+      </pc:sldMasterChg>
     </pc:docChg>
   </pc:docChgLst>
 </pc:chgInfo>
@@ -3264,7 +3413,7 @@
           <a:p>
             <a:fld id="{BF843AAD-C151-4C67-8EC9-2AC048A6CE80}" type="datetimeFigureOut">
               <a:rPr kumimoji="1" lang="ja-JP" altLang="en-US" smtClean="0"/>
-              <a:t>2022/6/13</a:t>
+              <a:t>2023/1/10</a:t>
             </a:fld>
             <a:endParaRPr kumimoji="1" lang="ja-JP" altLang="en-US"/>
           </a:p>
@@ -3749,7 +3898,7 @@
             <a:fld id="{276F997C-D218-46FB-85FC-22FE962A3E80}" type="datetime1">
               <a:rPr lang="ja-JP" altLang="en-US" smtClean="0"/>
               <a:pPr/>
-              <a:t>2022/6/13</a:t>
+              <a:t>2023/1/10</a:t>
             </a:fld>
             <a:endParaRPr lang="ja-JP" altLang="en-US"/>
           </a:p>
@@ -3950,7 +4099,7 @@
             <a:normAutofit/>
           </a:bodyPr>
           <a:lstStyle>
-            <a:lvl1pPr marL="228600" indent="-228600">
+            <a:lvl1pPr marL="355600" indent="-355600">
               <a:buFont typeface="Wingdings" panose="05000000000000000000" pitchFamily="2" charset="2"/>
               <a:buChar char="Ø"/>
               <a:defRPr sz="2400">
@@ -3959,7 +4108,7 @@
                 <a:cs typeface="Times New Roman" panose="02020603050405020304" pitchFamily="18" charset="0"/>
               </a:defRPr>
             </a:lvl1pPr>
-            <a:lvl2pPr marL="685800" indent="-228600">
+            <a:lvl2pPr marL="808038" indent="-350838">
               <a:buFont typeface="Wingdings" panose="05000000000000000000" pitchFamily="2" charset="2"/>
               <a:buChar char="u"/>
               <a:defRPr sz="2000">
@@ -3968,7 +4117,7 @@
                 <a:cs typeface="Times New Roman" panose="02020603050405020304" pitchFamily="18" charset="0"/>
               </a:defRPr>
             </a:lvl2pPr>
-            <a:lvl3pPr marL="1143000" indent="-228600">
+            <a:lvl3pPr marL="1250950" indent="-336550">
               <a:buFont typeface="Wingdings" panose="05000000000000000000" pitchFamily="2" charset="2"/>
               <a:buChar char="p"/>
               <a:defRPr sz="1800">
@@ -3977,7 +4126,7 @@
                 <a:cs typeface="Times New Roman" panose="02020603050405020304" pitchFamily="18" charset="0"/>
               </a:defRPr>
             </a:lvl3pPr>
-            <a:lvl4pPr marL="1600200" indent="-228600">
+            <a:lvl4pPr marL="1703388" indent="-331788">
               <a:buFont typeface="Wingdings" panose="05000000000000000000" pitchFamily="2" charset="2"/>
               <a:buChar char="ü"/>
               <a:defRPr sz="1600">
@@ -3986,7 +4135,7 @@
                 <a:cs typeface="Times New Roman" panose="02020603050405020304" pitchFamily="18" charset="0"/>
               </a:defRPr>
             </a:lvl4pPr>
-            <a:lvl5pPr marL="2057400" indent="-228600">
+            <a:lvl5pPr marL="2155825" indent="-327025">
               <a:buFont typeface="Wingdings" panose="05000000000000000000" pitchFamily="2" charset="2"/>
               <a:buChar char="ü"/>
               <a:defRPr sz="1600">
@@ -4102,7 +4251,7 @@
             <a:fld id="{276F997C-D218-46FB-85FC-22FE962A3E80}" type="datetime1">
               <a:rPr lang="ja-JP" altLang="en-US" smtClean="0"/>
               <a:pPr/>
-              <a:t>2022/6/13</a:t>
+              <a:t>2023/1/10</a:t>
             </a:fld>
             <a:endParaRPr lang="ja-JP" altLang="en-US"/>
           </a:p>
@@ -4210,7 +4359,7 @@
           <a:prstGeom prst="line">
             <a:avLst/>
           </a:prstGeom>
-          <a:ln w="12700"/>
+          <a:ln w="28575"/>
         </p:spPr>
         <p:style>
           <a:lnRef idx="1">
@@ -4237,6 +4386,22 @@
   <p:clrMapOvr>
     <a:masterClrMapping/>
   </p:clrMapOvr>
+  <p:extLst>
+    <p:ext uri="{DCECCB84-F9BA-43D5-87BE-67443E8EF086}">
+      <p15:sldGuideLst xmlns:p15="http://schemas.microsoft.com/office/powerpoint/2012/main">
+        <p15:guide id="1" orient="horz" pos="2160" userDrawn="1">
+          <p15:clr>
+            <a:srgbClr val="FBAE40"/>
+          </p15:clr>
+        </p15:guide>
+        <p15:guide id="2" pos="3840" userDrawn="1">
+          <p15:clr>
+            <a:srgbClr val="FBAE40"/>
+          </p15:clr>
+        </p15:guide>
+      </p15:sldGuideLst>
+    </p:ext>
+  </p:extLst>
 </p:sldLayout>
 </file>
 
@@ -4342,7 +4507,7 @@
             <a:fld id="{276F997C-D218-46FB-85FC-22FE962A3E80}" type="datetime1">
               <a:rPr lang="ja-JP" altLang="en-US" smtClean="0"/>
               <a:pPr/>
-              <a:t>2022/6/13</a:t>
+              <a:t>2023/1/10</a:t>
             </a:fld>
             <a:endParaRPr lang="ja-JP" altLang="en-US"/>
           </a:p>
@@ -4455,7 +4620,7 @@
             <a:normAutofit/>
           </a:bodyPr>
           <a:lstStyle>
-            <a:lvl1pPr marL="228600" indent="-228600">
+            <a:lvl1pPr marL="355600" indent="-355600">
               <a:buFont typeface="Wingdings" panose="05000000000000000000" pitchFamily="2" charset="2"/>
               <a:buChar char="Ø"/>
               <a:defRPr sz="2400">
@@ -4464,7 +4629,7 @@
                 <a:cs typeface="Times New Roman" panose="02020603050405020304" pitchFamily="18" charset="0"/>
               </a:defRPr>
             </a:lvl1pPr>
-            <a:lvl2pPr marL="685800" indent="-228600">
+            <a:lvl2pPr marL="808038" indent="-350838">
               <a:buFont typeface="Wingdings" panose="05000000000000000000" pitchFamily="2" charset="2"/>
               <a:buChar char="u"/>
               <a:defRPr sz="2000">
@@ -4473,7 +4638,7 @@
                 <a:cs typeface="Times New Roman" panose="02020603050405020304" pitchFamily="18" charset="0"/>
               </a:defRPr>
             </a:lvl2pPr>
-            <a:lvl3pPr marL="1143000" indent="-228600">
+            <a:lvl3pPr marL="1250950" indent="-336550">
               <a:buFont typeface="Wingdings" panose="05000000000000000000" pitchFamily="2" charset="2"/>
               <a:buChar char="p"/>
               <a:defRPr sz="1800">
@@ -4482,7 +4647,7 @@
                 <a:cs typeface="Times New Roman" panose="02020603050405020304" pitchFamily="18" charset="0"/>
               </a:defRPr>
             </a:lvl3pPr>
-            <a:lvl4pPr marL="1600200" indent="-228600">
+            <a:lvl4pPr marL="1703388" indent="-331788">
               <a:buFont typeface="Wingdings" panose="05000000000000000000" pitchFamily="2" charset="2"/>
               <a:buChar char="ü"/>
               <a:defRPr sz="1600">
@@ -4491,7 +4656,7 @@
                 <a:cs typeface="Times New Roman" panose="02020603050405020304" pitchFamily="18" charset="0"/>
               </a:defRPr>
             </a:lvl4pPr>
-            <a:lvl5pPr marL="2057400" indent="-228600">
+            <a:lvl5pPr marL="2155825" indent="-327025">
               <a:buFont typeface="Wingdings" panose="05000000000000000000" pitchFamily="2" charset="2"/>
               <a:buChar char="ü"/>
               <a:defRPr sz="1600">
@@ -4597,7 +4762,7 @@
             <a:normAutofit/>
           </a:bodyPr>
           <a:lstStyle>
-            <a:lvl1pPr marL="228600" indent="-228600">
+            <a:lvl1pPr marL="355600" indent="-355600">
               <a:buFont typeface="Wingdings" panose="05000000000000000000" pitchFamily="2" charset="2"/>
               <a:buChar char="Ø"/>
               <a:defRPr sz="2400">
@@ -4606,7 +4771,7 @@
                 <a:cs typeface="Times New Roman" panose="02020603050405020304" pitchFamily="18" charset="0"/>
               </a:defRPr>
             </a:lvl1pPr>
-            <a:lvl2pPr marL="685800" indent="-228600">
+            <a:lvl2pPr marL="808038" indent="-350838">
               <a:buFont typeface="Wingdings" panose="05000000000000000000" pitchFamily="2" charset="2"/>
               <a:buChar char="u"/>
               <a:defRPr sz="2000">
@@ -4615,7 +4780,7 @@
                 <a:cs typeface="Times New Roman" panose="02020603050405020304" pitchFamily="18" charset="0"/>
               </a:defRPr>
             </a:lvl2pPr>
-            <a:lvl3pPr marL="1143000" indent="-228600">
+            <a:lvl3pPr marL="1250950" indent="-336550">
               <a:buFont typeface="Wingdings" panose="05000000000000000000" pitchFamily="2" charset="2"/>
               <a:buChar char="p"/>
               <a:defRPr sz="1800">
@@ -4624,7 +4789,7 @@
                 <a:cs typeface="Times New Roman" panose="02020603050405020304" pitchFamily="18" charset="0"/>
               </a:defRPr>
             </a:lvl3pPr>
-            <a:lvl4pPr marL="1600200" indent="-228600">
+            <a:lvl4pPr marL="1703388" indent="-331788">
               <a:buFont typeface="Wingdings" panose="05000000000000000000" pitchFamily="2" charset="2"/>
               <a:buChar char="ü"/>
               <a:defRPr sz="1600">
@@ -4633,7 +4798,7 @@
                 <a:cs typeface="Times New Roman" panose="02020603050405020304" pitchFamily="18" charset="0"/>
               </a:defRPr>
             </a:lvl4pPr>
-            <a:lvl5pPr marL="2057400" indent="-228600">
+            <a:lvl5pPr marL="2155825" indent="-327025">
               <a:buFont typeface="Wingdings" panose="05000000000000000000" pitchFamily="2" charset="2"/>
               <a:buChar char="ü"/>
               <a:defRPr sz="1600">
@@ -4734,7 +4899,7 @@
           <a:prstGeom prst="line">
             <a:avLst/>
           </a:prstGeom>
-          <a:ln w="12700"/>
+          <a:ln w="28575"/>
         </p:spPr>
         <p:style>
           <a:lnRef idx="1">
@@ -4958,15 +5123,19 @@
                     <a:tint val="75000"/>
                   </a:schemeClr>
                 </a:solidFill>
+                <a:latin typeface="Times New Roman" panose="02020603050405020304" pitchFamily="18" charset="0"/>
+                <a:ea typeface="游明朝" panose="02020400000000000000" pitchFamily="18" charset="-128"/>
+                <a:cs typeface="Times New Roman" panose="02020603050405020304" pitchFamily="18" charset="0"/>
               </a:defRPr>
             </a:lvl1pPr>
           </a:lstStyle>
           <a:p>
             <a:fld id="{829D1592-4D9F-40F0-BCFE-4788FF790311}" type="datetime1">
-              <a:rPr kumimoji="1" lang="ja-JP" altLang="en-US" smtClean="0"/>
-              <a:t>2022/6/13</a:t>
+              <a:rPr lang="ja-JP" altLang="en-US" smtClean="0"/>
+              <a:pPr/>
+              <a:t>2023/1/10</a:t>
             </a:fld>
-            <a:endParaRPr kumimoji="1" lang="ja-JP" altLang="en-US"/>
+            <a:endParaRPr lang="ja-JP" altLang="en-US"/>
           </a:p>
         </p:txBody>
       </p:sp>
@@ -5005,14 +5174,18 @@
                     <a:tint val="75000"/>
                   </a:schemeClr>
                 </a:solidFill>
+                <a:latin typeface="Times New Roman" panose="02020603050405020304" pitchFamily="18" charset="0"/>
+                <a:ea typeface="游明朝" panose="02020400000000000000" pitchFamily="18" charset="-128"/>
+                <a:cs typeface="Times New Roman" panose="02020603050405020304" pitchFamily="18" charset="0"/>
               </a:defRPr>
             </a:lvl1pPr>
           </a:lstStyle>
           <a:p>
             <a:r>
-              <a:rPr kumimoji="1" lang="ja-JP" altLang="en-US" dirty="0"/>
+              <a:rPr lang="ja-JP" altLang="en-US"/>
               <a:t>タイトル</a:t>
             </a:r>
+            <a:endParaRPr lang="ja-JP" altLang="en-US" dirty="0"/>
           </a:p>
         </p:txBody>
       </p:sp>
@@ -5051,15 +5224,19 @@
                     <a:tint val="75000"/>
                   </a:schemeClr>
                 </a:solidFill>
+                <a:latin typeface="Times New Roman" panose="02020603050405020304" pitchFamily="18" charset="0"/>
+                <a:ea typeface="游明朝" panose="02020400000000000000" pitchFamily="18" charset="-128"/>
+                <a:cs typeface="Times New Roman" panose="02020603050405020304" pitchFamily="18" charset="0"/>
               </a:defRPr>
             </a:lvl1pPr>
           </a:lstStyle>
           <a:p>
             <a:fld id="{6A08F1E3-4537-4A28-BBC1-BB8FB2459995}" type="slidenum">
-              <a:rPr kumimoji="1" lang="ja-JP" altLang="en-US" smtClean="0"/>
+              <a:rPr lang="ja-JP" altLang="en-US" smtClean="0"/>
+              <a:pPr/>
               <a:t>‹#›</a:t>
             </a:fld>
-            <a:endParaRPr kumimoji="1" lang="ja-JP" altLang="en-US"/>
+            <a:endParaRPr lang="ja-JP" altLang="en-US"/>
           </a:p>
         </p:txBody>
       </p:sp>
@@ -5091,9 +5268,9 @@
           <a:solidFill>
             <a:schemeClr val="tx1"/>
           </a:solidFill>
-          <a:latin typeface="+mj-lt"/>
-          <a:ea typeface="+mj-ea"/>
-          <a:cs typeface="+mj-cs"/>
+          <a:latin typeface="Times New Roman" panose="02020603050405020304" pitchFamily="18" charset="0"/>
+          <a:ea typeface="游明朝" panose="02020400000000000000" pitchFamily="18" charset="-128"/>
+          <a:cs typeface="Times New Roman" panose="02020603050405020304" pitchFamily="18" charset="0"/>
         </a:defRPr>
       </a:lvl1pPr>
     </p:titleStyle>
@@ -5111,9 +5288,9 @@
           <a:solidFill>
             <a:schemeClr val="tx1"/>
           </a:solidFill>
-          <a:latin typeface="+mn-lt"/>
-          <a:ea typeface="+mn-ea"/>
-          <a:cs typeface="+mn-cs"/>
+          <a:latin typeface="Times New Roman" panose="02020603050405020304" pitchFamily="18" charset="0"/>
+          <a:ea typeface="游明朝" panose="02020400000000000000" pitchFamily="18" charset="-128"/>
+          <a:cs typeface="Times New Roman" panose="02020603050405020304" pitchFamily="18" charset="0"/>
         </a:defRPr>
       </a:lvl1pPr>
       <a:lvl2pPr marL="685800" indent="-228600" algn="l" defTabSz="914400" rtl="0" eaLnBrk="1" latinLnBrk="0" hangingPunct="1">
@@ -5129,9 +5306,9 @@
           <a:solidFill>
             <a:schemeClr val="tx1"/>
           </a:solidFill>
-          <a:latin typeface="+mn-lt"/>
-          <a:ea typeface="+mn-ea"/>
-          <a:cs typeface="+mn-cs"/>
+          <a:latin typeface="Times New Roman" panose="02020603050405020304" pitchFamily="18" charset="0"/>
+          <a:ea typeface="游明朝" panose="02020400000000000000" pitchFamily="18" charset="-128"/>
+          <a:cs typeface="Times New Roman" panose="02020603050405020304" pitchFamily="18" charset="0"/>
         </a:defRPr>
       </a:lvl2pPr>
       <a:lvl3pPr marL="1143000" indent="-228600" algn="l" defTabSz="914400" rtl="0" eaLnBrk="1" latinLnBrk="0" hangingPunct="1">
@@ -5147,9 +5324,9 @@
           <a:solidFill>
             <a:schemeClr val="tx1"/>
           </a:solidFill>
-          <a:latin typeface="+mn-lt"/>
-          <a:ea typeface="+mn-ea"/>
-          <a:cs typeface="+mn-cs"/>
+          <a:latin typeface="Times New Roman" panose="02020603050405020304" pitchFamily="18" charset="0"/>
+          <a:ea typeface="游明朝" panose="02020400000000000000" pitchFamily="18" charset="-128"/>
+          <a:cs typeface="Times New Roman" panose="02020603050405020304" pitchFamily="18" charset="0"/>
         </a:defRPr>
       </a:lvl3pPr>
       <a:lvl4pPr marL="1600200" indent="-228600" algn="l" defTabSz="914400" rtl="0" eaLnBrk="1" latinLnBrk="0" hangingPunct="1">
@@ -5165,9 +5342,9 @@
           <a:solidFill>
             <a:schemeClr val="tx1"/>
           </a:solidFill>
-          <a:latin typeface="+mn-lt"/>
-          <a:ea typeface="+mn-ea"/>
-          <a:cs typeface="+mn-cs"/>
+          <a:latin typeface="Times New Roman" panose="02020603050405020304" pitchFamily="18" charset="0"/>
+          <a:ea typeface="游明朝" panose="02020400000000000000" pitchFamily="18" charset="-128"/>
+          <a:cs typeface="Times New Roman" panose="02020603050405020304" pitchFamily="18" charset="0"/>
         </a:defRPr>
       </a:lvl4pPr>
       <a:lvl5pPr marL="2057400" indent="-228600" algn="l" defTabSz="914400" rtl="0" eaLnBrk="1" latinLnBrk="0" hangingPunct="1">
@@ -5183,9 +5360,9 @@
           <a:solidFill>
             <a:schemeClr val="tx1"/>
           </a:solidFill>
-          <a:latin typeface="+mn-lt"/>
-          <a:ea typeface="+mn-ea"/>
-          <a:cs typeface="+mn-cs"/>
+          <a:latin typeface="Times New Roman" panose="02020603050405020304" pitchFamily="18" charset="0"/>
+          <a:ea typeface="游明朝" panose="02020400000000000000" pitchFamily="18" charset="-128"/>
+          <a:cs typeface="Times New Roman" panose="02020603050405020304" pitchFamily="18" charset="0"/>
         </a:defRPr>
       </a:lvl5pPr>
       <a:lvl6pPr marL="2514600" indent="-228600" algn="l" defTabSz="914400" rtl="0" eaLnBrk="1" latinLnBrk="0" hangingPunct="1">
@@ -5477,7 +5654,7 @@
           <a:p>
             <a:fld id="{276F997C-D218-46FB-85FC-22FE962A3E80}" type="datetime1">
               <a:rPr kumimoji="1" lang="ja-JP" altLang="en-US" smtClean="0"/>
-              <a:t>2022/6/13</a:t>
+              <a:t>2023/1/10</a:t>
             </a:fld>
             <a:endParaRPr kumimoji="1" lang="ja-JP" altLang="en-US"/>
           </a:p>
@@ -5720,7 +5897,7 @@
           <a:p>
             <a:fld id="{276F997C-D218-46FB-85FC-22FE962A3E80}" type="datetime1">
               <a:rPr kumimoji="1" lang="ja-JP" altLang="en-US" smtClean="0"/>
-              <a:t>2022/6/14</a:t>
+              <a:t>2023/1/10</a:t>
             </a:fld>
             <a:endParaRPr kumimoji="1" lang="ja-JP" altLang="en-US" dirty="0"/>
           </a:p>
@@ -6828,7 +7005,7 @@
           <a:p>
             <a:fld id="{276F997C-D218-46FB-85FC-22FE962A3E80}" type="datetime1">
               <a:rPr kumimoji="1" lang="ja-JP" altLang="en-US" smtClean="0"/>
-              <a:t>2022/6/14</a:t>
+              <a:t>2023/1/10</a:t>
             </a:fld>
             <a:endParaRPr kumimoji="1" lang="ja-JP" altLang="en-US" dirty="0"/>
           </a:p>
@@ -7873,7 +8050,7 @@
           <a:p>
             <a:fld id="{276F997C-D218-46FB-85FC-22FE962A3E80}" type="datetime1">
               <a:rPr kumimoji="1" lang="ja-JP" altLang="en-US" smtClean="0"/>
-              <a:t>2022/6/14</a:t>
+              <a:t>2023/1/10</a:t>
             </a:fld>
             <a:endParaRPr kumimoji="1" lang="ja-JP" altLang="en-US" dirty="0"/>
           </a:p>
@@ -9464,7 +9641,7 @@
           <a:p>
             <a:fld id="{276F997C-D218-46FB-85FC-22FE962A3E80}" type="datetime1">
               <a:rPr kumimoji="1" lang="ja-JP" altLang="en-US" smtClean="0"/>
-              <a:t>2022/6/13</a:t>
+              <a:t>2023/1/10</a:t>
             </a:fld>
             <a:endParaRPr kumimoji="1" lang="ja-JP" altLang="en-US" dirty="0"/>
           </a:p>
@@ -10181,7 +10358,7 @@
           <a:p>
             <a:fld id="{276F997C-D218-46FB-85FC-22FE962A3E80}" type="datetime1">
               <a:rPr kumimoji="1" lang="ja-JP" altLang="en-US" smtClean="0"/>
-              <a:t>2022/6/13</a:t>
+              <a:t>2023/1/10</a:t>
             </a:fld>
             <a:endParaRPr kumimoji="1" lang="ja-JP" altLang="en-US" dirty="0"/>
           </a:p>
@@ -11626,7 +11803,7 @@
           <a:p>
             <a:fld id="{276F997C-D218-46FB-85FC-22FE962A3E80}" type="datetime1">
               <a:rPr kumimoji="1" lang="ja-JP" altLang="en-US" smtClean="0"/>
-              <a:t>2022/6/13</a:t>
+              <a:t>2023/1/10</a:t>
             </a:fld>
             <a:endParaRPr kumimoji="1" lang="ja-JP" altLang="en-US" dirty="0"/>
           </a:p>
@@ -12704,7 +12881,7 @@
           <a:p>
             <a:fld id="{276F997C-D218-46FB-85FC-22FE962A3E80}" type="datetime1">
               <a:rPr kumimoji="1" lang="ja-JP" altLang="en-US" smtClean="0"/>
-              <a:t>2022/6/13</a:t>
+              <a:t>2023/1/10</a:t>
             </a:fld>
             <a:endParaRPr kumimoji="1" lang="ja-JP" altLang="en-US" dirty="0"/>
           </a:p>
@@ -13480,7 +13657,7 @@
           <a:p>
             <a:fld id="{276F997C-D218-46FB-85FC-22FE962A3E80}" type="datetime1">
               <a:rPr kumimoji="1" lang="ja-JP" altLang="en-US" smtClean="0"/>
-              <a:t>2022/6/14</a:t>
+              <a:t>2023/1/10</a:t>
             </a:fld>
             <a:endParaRPr kumimoji="1" lang="ja-JP" altLang="en-US" dirty="0"/>
           </a:p>
@@ -14530,7 +14707,7 @@
           <a:p>
             <a:fld id="{276F997C-D218-46FB-85FC-22FE962A3E80}" type="datetime1">
               <a:rPr kumimoji="1" lang="ja-JP" altLang="en-US" smtClean="0"/>
-              <a:t>2022/6/14</a:t>
+              <a:t>2023/1/10</a:t>
             </a:fld>
             <a:endParaRPr kumimoji="1" lang="ja-JP" altLang="en-US" dirty="0"/>
           </a:p>
@@ -15533,7 +15710,7 @@
           <a:p>
             <a:fld id="{276F997C-D218-46FB-85FC-22FE962A3E80}" type="datetime1">
               <a:rPr kumimoji="1" lang="ja-JP" altLang="en-US" smtClean="0"/>
-              <a:t>2022/6/14</a:t>
+              <a:t>2023/1/10</a:t>
             </a:fld>
             <a:endParaRPr kumimoji="1" lang="ja-JP" altLang="en-US" dirty="0"/>
           </a:p>
@@ -16320,7 +16497,7 @@
           <a:p>
             <a:fld id="{276F997C-D218-46FB-85FC-22FE962A3E80}" type="datetime1">
               <a:rPr kumimoji="1" lang="ja-JP" altLang="en-US" smtClean="0"/>
-              <a:t>2022/6/14</a:t>
+              <a:t>2023/1/10</a:t>
             </a:fld>
             <a:endParaRPr kumimoji="1" lang="ja-JP" altLang="en-US" dirty="0"/>
           </a:p>

--- a/2022年度/GitHub勉強会/第1回勉強会.pptx
+++ b/2022年度/GitHub勉強会/第1回勉強会.pptx
@@ -141,7 +141,7 @@
 <file path=ppt/revisionInfo.xml><?xml version="1.0" encoding="utf-8"?>
 <p1510:revInfo xmlns:a="http://schemas.openxmlformats.org/drawingml/2006/main" xmlns:r="http://schemas.openxmlformats.org/officeDocument/2006/relationships" xmlns:p1510="http://schemas.microsoft.com/office/powerpoint/2015/10/main">
   <p1510:revLst>
-    <p1510:client id="{AECA7F86-88C9-4AD9-8969-35294D326D34}" v="15" dt="2023-01-10T14:24:16.222"/>
+    <p1510:client id="{AECA7F86-88C9-4AD9-8969-35294D326D34}" v="17" dt="2023-01-23T04:42:50.733"/>
   </p1510:revLst>
 </p1510:revInfo>
 </file>
@@ -150,11 +150,49 @@
 <pc:chgInfo xmlns:a="http://schemas.openxmlformats.org/drawingml/2006/main" xmlns:r="http://schemas.openxmlformats.org/officeDocument/2006/relationships" xmlns:ac="http://schemas.microsoft.com/office/drawing/2013/main/command" xmlns:pc="http://schemas.microsoft.com/office/powerpoint/2013/main/command">
   <pc:docChgLst>
     <pc:chgData name="西村 翼" userId="5a6fcaf58e44607b" providerId="LiveId" clId="{AECA7F86-88C9-4AD9-8969-35294D326D34}"/>
-    <pc:docChg chg="modMainMaster">
-      <pc:chgData name="西村 翼" userId="5a6fcaf58e44607b" providerId="LiveId" clId="{AECA7F86-88C9-4AD9-8969-35294D326D34}" dt="2023-01-10T14:24:16.222" v="15" actId="179"/>
+    <pc:docChg chg="modSld modMainMaster">
+      <pc:chgData name="西村 翼" userId="5a6fcaf58e44607b" providerId="LiveId" clId="{AECA7F86-88C9-4AD9-8969-35294D326D34}" dt="2023-01-24T05:04:34.305" v="19" actId="1076"/>
       <pc:docMkLst>
         <pc:docMk/>
       </pc:docMkLst>
+      <pc:sldChg chg="addSp delSp modSp">
+        <pc:chgData name="西村 翼" userId="5a6fcaf58e44607b" providerId="LiveId" clId="{AECA7F86-88C9-4AD9-8969-35294D326D34}" dt="2023-01-23T04:42:50.733" v="17"/>
+        <pc:sldMkLst>
+          <pc:docMk/>
+          <pc:sldMk cId="2574684775" sldId="260"/>
+        </pc:sldMkLst>
+        <pc:spChg chg="add del mod">
+          <ac:chgData name="西村 翼" userId="5a6fcaf58e44607b" providerId="LiveId" clId="{AECA7F86-88C9-4AD9-8969-35294D326D34}" dt="2023-01-23T04:42:50.733" v="17"/>
+          <ac:spMkLst>
+            <pc:docMk/>
+            <pc:sldMk cId="2574684775" sldId="260"/>
+            <ac:spMk id="33" creationId="{FF83EEB2-BCA6-4F31-B3BD-DA254BE0CFFE}"/>
+          </ac:spMkLst>
+        </pc:spChg>
+        <pc:picChg chg="add del mod">
+          <ac:chgData name="西村 翼" userId="5a6fcaf58e44607b" providerId="LiveId" clId="{AECA7F86-88C9-4AD9-8969-35294D326D34}" dt="2023-01-23T04:42:50.733" v="17"/>
+          <ac:picMkLst>
+            <pc:docMk/>
+            <pc:sldMk cId="2574684775" sldId="260"/>
+            <ac:picMk id="32" creationId="{91E48C18-FB41-431B-95BE-EA97CE237859}"/>
+          </ac:picMkLst>
+        </pc:picChg>
+      </pc:sldChg>
+      <pc:sldChg chg="modSp mod">
+        <pc:chgData name="西村 翼" userId="5a6fcaf58e44607b" providerId="LiveId" clId="{AECA7F86-88C9-4AD9-8969-35294D326D34}" dt="2023-01-24T05:04:34.305" v="19" actId="1076"/>
+        <pc:sldMkLst>
+          <pc:docMk/>
+          <pc:sldMk cId="3606405869" sldId="263"/>
+        </pc:sldMkLst>
+        <pc:picChg chg="mod">
+          <ac:chgData name="西村 翼" userId="5a6fcaf58e44607b" providerId="LiveId" clId="{AECA7F86-88C9-4AD9-8969-35294D326D34}" dt="2023-01-24T05:04:34.305" v="19" actId="1076"/>
+          <ac:picMkLst>
+            <pc:docMk/>
+            <pc:sldMk cId="3606405869" sldId="263"/>
+            <ac:picMk id="23" creationId="{F83F1BC1-D811-4230-9BF5-80B051F7FA09}"/>
+          </ac:picMkLst>
+        </pc:picChg>
+      </pc:sldChg>
       <pc:sldMasterChg chg="modSldLayout">
         <pc:chgData name="西村 翼" userId="5a6fcaf58e44607b" providerId="LiveId" clId="{AECA7F86-88C9-4AD9-8969-35294D326D34}" dt="2023-01-10T14:24:16.222" v="15" actId="179"/>
         <pc:sldMasterMkLst>
@@ -3413,7 +3451,7 @@
           <a:p>
             <a:fld id="{BF843AAD-C151-4C67-8EC9-2AC048A6CE80}" type="datetimeFigureOut">
               <a:rPr kumimoji="1" lang="ja-JP" altLang="en-US" smtClean="0"/>
-              <a:t>2023/1/10</a:t>
+              <a:t>2023/1/23</a:t>
             </a:fld>
             <a:endParaRPr kumimoji="1" lang="ja-JP" altLang="en-US"/>
           </a:p>
@@ -3898,7 +3936,7 @@
             <a:fld id="{276F997C-D218-46FB-85FC-22FE962A3E80}" type="datetime1">
               <a:rPr lang="ja-JP" altLang="en-US" smtClean="0"/>
               <a:pPr/>
-              <a:t>2023/1/10</a:t>
+              <a:t>2023/1/23</a:t>
             </a:fld>
             <a:endParaRPr lang="ja-JP" altLang="en-US"/>
           </a:p>
@@ -4251,7 +4289,7 @@
             <a:fld id="{276F997C-D218-46FB-85FC-22FE962A3E80}" type="datetime1">
               <a:rPr lang="ja-JP" altLang="en-US" smtClean="0"/>
               <a:pPr/>
-              <a:t>2023/1/10</a:t>
+              <a:t>2023/1/23</a:t>
             </a:fld>
             <a:endParaRPr lang="ja-JP" altLang="en-US"/>
           </a:p>
@@ -4507,7 +4545,7 @@
             <a:fld id="{276F997C-D218-46FB-85FC-22FE962A3E80}" type="datetime1">
               <a:rPr lang="ja-JP" altLang="en-US" smtClean="0"/>
               <a:pPr/>
-              <a:t>2023/1/10</a:t>
+              <a:t>2023/1/23</a:t>
             </a:fld>
             <a:endParaRPr lang="ja-JP" altLang="en-US"/>
           </a:p>
@@ -5133,7 +5171,7 @@
             <a:fld id="{829D1592-4D9F-40F0-BCFE-4788FF790311}" type="datetime1">
               <a:rPr lang="ja-JP" altLang="en-US" smtClean="0"/>
               <a:pPr/>
-              <a:t>2023/1/10</a:t>
+              <a:t>2023/1/23</a:t>
             </a:fld>
             <a:endParaRPr lang="ja-JP" altLang="en-US"/>
           </a:p>
@@ -5654,7 +5692,7 @@
           <a:p>
             <a:fld id="{276F997C-D218-46FB-85FC-22FE962A3E80}" type="datetime1">
               <a:rPr kumimoji="1" lang="ja-JP" altLang="en-US" smtClean="0"/>
-              <a:t>2023/1/10</a:t>
+              <a:t>2023/1/23</a:t>
             </a:fld>
             <a:endParaRPr kumimoji="1" lang="ja-JP" altLang="en-US"/>
           </a:p>
@@ -5897,7 +5935,7 @@
           <a:p>
             <a:fld id="{276F997C-D218-46FB-85FC-22FE962A3E80}" type="datetime1">
               <a:rPr kumimoji="1" lang="ja-JP" altLang="en-US" smtClean="0"/>
-              <a:t>2023/1/10</a:t>
+              <a:t>2023/1/23</a:t>
             </a:fld>
             <a:endParaRPr kumimoji="1" lang="ja-JP" altLang="en-US" dirty="0"/>
           </a:p>
@@ -7005,7 +7043,7 @@
           <a:p>
             <a:fld id="{276F997C-D218-46FB-85FC-22FE962A3E80}" type="datetime1">
               <a:rPr kumimoji="1" lang="ja-JP" altLang="en-US" smtClean="0"/>
-              <a:t>2023/1/10</a:t>
+              <a:t>2023/1/23</a:t>
             </a:fld>
             <a:endParaRPr kumimoji="1" lang="ja-JP" altLang="en-US" dirty="0"/>
           </a:p>
@@ -8050,7 +8088,7 @@
           <a:p>
             <a:fld id="{276F997C-D218-46FB-85FC-22FE962A3E80}" type="datetime1">
               <a:rPr kumimoji="1" lang="ja-JP" altLang="en-US" smtClean="0"/>
-              <a:t>2023/1/10</a:t>
+              <a:t>2023/1/23</a:t>
             </a:fld>
             <a:endParaRPr kumimoji="1" lang="ja-JP" altLang="en-US" dirty="0"/>
           </a:p>
@@ -9641,7 +9679,7 @@
           <a:p>
             <a:fld id="{276F997C-D218-46FB-85FC-22FE962A3E80}" type="datetime1">
               <a:rPr kumimoji="1" lang="ja-JP" altLang="en-US" smtClean="0"/>
-              <a:t>2023/1/10</a:t>
+              <a:t>2023/1/23</a:t>
             </a:fld>
             <a:endParaRPr kumimoji="1" lang="ja-JP" altLang="en-US" dirty="0"/>
           </a:p>
@@ -10358,7 +10396,7 @@
           <a:p>
             <a:fld id="{276F997C-D218-46FB-85FC-22FE962A3E80}" type="datetime1">
               <a:rPr kumimoji="1" lang="ja-JP" altLang="en-US" smtClean="0"/>
-              <a:t>2023/1/10</a:t>
+              <a:t>2023/1/23</a:t>
             </a:fld>
             <a:endParaRPr kumimoji="1" lang="ja-JP" altLang="en-US" dirty="0"/>
           </a:p>
@@ -10565,7 +10603,7 @@
             <a:lstStyle/>
             <a:p>
               <a:pPr algn="ctr"/>
-              <a:endParaRPr kumimoji="1" lang="ja-JP" altLang="en-US"/>
+              <a:endParaRPr kumimoji="1" lang="ja-JP" altLang="en-US" dirty="0"/>
             </a:p>
           </p:txBody>
         </p:sp>
@@ -11803,7 +11841,7 @@
           <a:p>
             <a:fld id="{276F997C-D218-46FB-85FC-22FE962A3E80}" type="datetime1">
               <a:rPr kumimoji="1" lang="ja-JP" altLang="en-US" smtClean="0"/>
-              <a:t>2023/1/10</a:t>
+              <a:t>2023/1/23</a:t>
             </a:fld>
             <a:endParaRPr kumimoji="1" lang="ja-JP" altLang="en-US" dirty="0"/>
           </a:p>
@@ -12881,7 +12919,7 @@
           <a:p>
             <a:fld id="{276F997C-D218-46FB-85FC-22FE962A3E80}" type="datetime1">
               <a:rPr kumimoji="1" lang="ja-JP" altLang="en-US" smtClean="0"/>
-              <a:t>2023/1/10</a:t>
+              <a:t>2023/1/23</a:t>
             </a:fld>
             <a:endParaRPr kumimoji="1" lang="ja-JP" altLang="en-US" dirty="0"/>
           </a:p>
@@ -13657,7 +13695,7 @@
           <a:p>
             <a:fld id="{276F997C-D218-46FB-85FC-22FE962A3E80}" type="datetime1">
               <a:rPr kumimoji="1" lang="ja-JP" altLang="en-US" smtClean="0"/>
-              <a:t>2023/1/10</a:t>
+              <a:t>2023/1/23</a:t>
             </a:fld>
             <a:endParaRPr kumimoji="1" lang="ja-JP" altLang="en-US" dirty="0"/>
           </a:p>
@@ -14707,7 +14745,7 @@
           <a:p>
             <a:fld id="{276F997C-D218-46FB-85FC-22FE962A3E80}" type="datetime1">
               <a:rPr kumimoji="1" lang="ja-JP" altLang="en-US" smtClean="0"/>
-              <a:t>2023/1/10</a:t>
+              <a:t>2023/1/23</a:t>
             </a:fld>
             <a:endParaRPr kumimoji="1" lang="ja-JP" altLang="en-US" dirty="0"/>
           </a:p>
@@ -15102,8 +15140,8 @@
         </p:blipFill>
         <p:spPr>
           <a:xfrm>
-            <a:off x="5548342" y="4811018"/>
-            <a:ext cx="704850" cy="619125"/>
+            <a:off x="5586200" y="4744343"/>
+            <a:ext cx="586584" cy="515243"/>
           </a:xfrm>
           <a:prstGeom prst="rect">
             <a:avLst/>
@@ -15710,7 +15748,7 @@
           <a:p>
             <a:fld id="{276F997C-D218-46FB-85FC-22FE962A3E80}" type="datetime1">
               <a:rPr kumimoji="1" lang="ja-JP" altLang="en-US" smtClean="0"/>
-              <a:t>2023/1/10</a:t>
+              <a:t>2023/1/23</a:t>
             </a:fld>
             <a:endParaRPr kumimoji="1" lang="ja-JP" altLang="en-US" dirty="0"/>
           </a:p>
@@ -16497,7 +16535,7 @@
           <a:p>
             <a:fld id="{276F997C-D218-46FB-85FC-22FE962A3E80}" type="datetime1">
               <a:rPr kumimoji="1" lang="ja-JP" altLang="en-US" smtClean="0"/>
-              <a:t>2023/1/10</a:t>
+              <a:t>2023/1/23</a:t>
             </a:fld>
             <a:endParaRPr kumimoji="1" lang="ja-JP" altLang="en-US" dirty="0"/>
           </a:p>
